--- a/semina report/eniac_project_files/G&T_발표PPT_1주차.pptx
+++ b/semina report/eniac_project_files/G&T_발표PPT_1주차.pptx
@@ -105,7 +105,56 @@
       </a:defRPr>
     </a:lvl9pPr>
   </p:defaultTextStyle>
+  <p:extLst>
+    <p:ext uri="{EFAFB233-063F-42B5-8137-9DF3F51BA10A}">
+      <p15:sldGuideLst xmlns:p15="http://schemas.microsoft.com/office/powerpoint/2012/main"/>
+    </p:ext>
+  </p:extLst>
 </p:presentation>
+</file>
+
+<file path=ppt/revisionInfo.xml><?xml version="1.0" encoding="utf-8"?>
+<p1510:revInfo xmlns:a="http://schemas.openxmlformats.org/drawingml/2006/main" xmlns:r="http://schemas.openxmlformats.org/officeDocument/2006/relationships" xmlns:p1510="http://schemas.microsoft.com/office/powerpoint/2015/10/main">
+  <p1510:revLst>
+    <p1510:client id="{58FA70CF-BD07-4377-9450-7876774BC645}" v="1" dt="2019-06-06T12:24:48.194"/>
+  </p1510:revLst>
+</p1510:revInfo>
+</file>
+
+<file path=ppt/changesInfos/changesInfo1.xml><?xml version="1.0" encoding="utf-8"?>
+<pc:chgInfo xmlns:a="http://schemas.openxmlformats.org/drawingml/2006/main" xmlns:r="http://schemas.openxmlformats.org/officeDocument/2006/relationships" xmlns:ac="http://schemas.microsoft.com/office/drawing/2013/main/command" xmlns:pc="http://schemas.microsoft.com/office/powerpoint/2013/main/command">
+  <pc:docChgLst>
+    <pc:chgData name="Ryein Kim" userId="dfeadb9f706589c6" providerId="LiveId" clId="{58FA70CF-BD07-4377-9450-7876774BC645}"/>
+    <pc:docChg chg="undo addSld delSld modSld">
+      <pc:chgData name="Ryein Kim" userId="dfeadb9f706589c6" providerId="LiveId" clId="{58FA70CF-BD07-4377-9450-7876774BC645}" dt="2019-06-06T12:24:53.879" v="3" actId="2696"/>
+      <pc:docMkLst>
+        <pc:docMk/>
+      </pc:docMkLst>
+      <pc:sldChg chg="modSp">
+        <pc:chgData name="Ryein Kim" userId="dfeadb9f706589c6" providerId="LiveId" clId="{58FA70CF-BD07-4377-9450-7876774BC645}" dt="2019-06-06T12:20:32.140" v="1" actId="1076"/>
+        <pc:sldMkLst>
+          <pc:docMk/>
+          <pc:sldMk cId="4209995566" sldId="257"/>
+        </pc:sldMkLst>
+        <pc:spChg chg="mod">
+          <ac:chgData name="Ryein Kim" userId="dfeadb9f706589c6" providerId="LiveId" clId="{58FA70CF-BD07-4377-9450-7876774BC645}" dt="2019-06-06T12:20:32.140" v="1" actId="1076"/>
+          <ac:spMkLst>
+            <pc:docMk/>
+            <pc:sldMk cId="4209995566" sldId="257"/>
+            <ac:spMk id="3" creationId="{59B9875D-218A-43A6-8BC4-105694587FD1}"/>
+          </ac:spMkLst>
+        </pc:spChg>
+      </pc:sldChg>
+      <pc:sldChg chg="add del">
+        <pc:chgData name="Ryein Kim" userId="dfeadb9f706589c6" providerId="LiveId" clId="{58FA70CF-BD07-4377-9450-7876774BC645}" dt="2019-06-06T12:24:53.879" v="3" actId="2696"/>
+        <pc:sldMkLst>
+          <pc:docMk/>
+          <pc:sldMk cId="1484263448" sldId="258"/>
+        </pc:sldMkLst>
+      </pc:sldChg>
+    </pc:docChg>
+  </pc:docChgLst>
+</pc:chgInfo>
 </file>
 
 <file path=ppt/slideLayouts/slideLayout1.xml><?xml version="1.0" encoding="utf-8"?>
@@ -299,7 +348,7 @@
           <a:p>
             <a:fld id="{B98807D1-4116-499B-9359-5944853DC4E1}" type="datetimeFigureOut">
               <a:rPr lang="ko-KR" altLang="en-US" smtClean="0"/>
-              <a:t>2019-05-19</a:t>
+              <a:t>2019-06-06</a:t>
             </a:fld>
             <a:endParaRPr lang="ko-KR" altLang="en-US"/>
           </a:p>
@@ -735,7 +784,7 @@
           <a:p>
             <a:fld id="{B98807D1-4116-499B-9359-5944853DC4E1}" type="datetimeFigureOut">
               <a:rPr lang="ko-KR" altLang="en-US" smtClean="0"/>
-              <a:t>2019-05-19</a:t>
+              <a:t>2019-06-06</a:t>
             </a:fld>
             <a:endParaRPr lang="ko-KR" altLang="en-US"/>
           </a:p>
@@ -985,7 +1034,7 @@
           <a:p>
             <a:fld id="{B98807D1-4116-499B-9359-5944853DC4E1}" type="datetimeFigureOut">
               <a:rPr lang="ko-KR" altLang="en-US" smtClean="0"/>
-              <a:t>2019-05-19</a:t>
+              <a:t>2019-06-06</a:t>
             </a:fld>
             <a:endParaRPr lang="ko-KR" altLang="en-US"/>
           </a:p>
@@ -1293,7 +1342,7 @@
           <a:p>
             <a:fld id="{B98807D1-4116-499B-9359-5944853DC4E1}" type="datetimeFigureOut">
               <a:rPr lang="ko-KR" altLang="en-US" smtClean="0"/>
-              <a:t>2019-05-19</a:t>
+              <a:t>2019-06-06</a:t>
             </a:fld>
             <a:endParaRPr lang="ko-KR" altLang="en-US"/>
           </a:p>
@@ -1611,7 +1660,7 @@
           <a:p>
             <a:fld id="{B98807D1-4116-499B-9359-5944853DC4E1}" type="datetimeFigureOut">
               <a:rPr lang="ko-KR" altLang="en-US" smtClean="0"/>
-              <a:t>2019-05-19</a:t>
+              <a:t>2019-06-06</a:t>
             </a:fld>
             <a:endParaRPr lang="ko-KR" altLang="en-US"/>
           </a:p>
@@ -1913,7 +1962,7 @@
           <a:p>
             <a:fld id="{B98807D1-4116-499B-9359-5944853DC4E1}" type="datetimeFigureOut">
               <a:rPr lang="ko-KR" altLang="en-US" smtClean="0"/>
-              <a:t>2019-05-19</a:t>
+              <a:t>2019-06-06</a:t>
             </a:fld>
             <a:endParaRPr lang="ko-KR" altLang="en-US"/>
           </a:p>
@@ -2280,7 +2329,7 @@
           <a:p>
             <a:fld id="{B98807D1-4116-499B-9359-5944853DC4E1}" type="datetimeFigureOut">
               <a:rPr lang="ko-KR" altLang="en-US" smtClean="0"/>
-              <a:t>2019-05-19</a:t>
+              <a:t>2019-06-06</a:t>
             </a:fld>
             <a:endParaRPr lang="ko-KR" altLang="en-US"/>
           </a:p>
@@ -2454,7 +2503,7 @@
           <a:p>
             <a:fld id="{B98807D1-4116-499B-9359-5944853DC4E1}" type="datetimeFigureOut">
               <a:rPr lang="ko-KR" altLang="en-US" smtClean="0"/>
-              <a:t>2019-05-19</a:t>
+              <a:t>2019-06-06</a:t>
             </a:fld>
             <a:endParaRPr lang="ko-KR" altLang="en-US"/>
           </a:p>
@@ -2634,7 +2683,7 @@
           <a:p>
             <a:fld id="{B98807D1-4116-499B-9359-5944853DC4E1}" type="datetimeFigureOut">
               <a:rPr lang="ko-KR" altLang="en-US" smtClean="0"/>
-              <a:t>2019-05-19</a:t>
+              <a:t>2019-06-06</a:t>
             </a:fld>
             <a:endParaRPr lang="ko-KR" altLang="en-US"/>
           </a:p>
@@ -2804,7 +2853,7 @@
           <a:p>
             <a:fld id="{B98807D1-4116-499B-9359-5944853DC4E1}" type="datetimeFigureOut">
               <a:rPr lang="ko-KR" altLang="en-US" smtClean="0"/>
-              <a:t>2019-05-19</a:t>
+              <a:t>2019-06-06</a:t>
             </a:fld>
             <a:endParaRPr lang="ko-KR" altLang="en-US"/>
           </a:p>
@@ -3054,7 +3103,7 @@
           <a:p>
             <a:fld id="{B98807D1-4116-499B-9359-5944853DC4E1}" type="datetimeFigureOut">
               <a:rPr lang="ko-KR" altLang="en-US" smtClean="0"/>
-              <a:t>2019-05-19</a:t>
+              <a:t>2019-06-06</a:t>
             </a:fld>
             <a:endParaRPr lang="ko-KR" altLang="en-US"/>
           </a:p>
@@ -3290,7 +3339,7 @@
           <a:p>
             <a:fld id="{B98807D1-4116-499B-9359-5944853DC4E1}" type="datetimeFigureOut">
               <a:rPr lang="ko-KR" altLang="en-US" smtClean="0"/>
-              <a:t>2019-05-19</a:t>
+              <a:t>2019-06-06</a:t>
             </a:fld>
             <a:endParaRPr lang="ko-KR" altLang="en-US"/>
           </a:p>
@@ -3672,7 +3721,7 @@
           <a:p>
             <a:fld id="{B98807D1-4116-499B-9359-5944853DC4E1}" type="datetimeFigureOut">
               <a:rPr lang="ko-KR" altLang="en-US" smtClean="0"/>
-              <a:t>2019-05-19</a:t>
+              <a:t>2019-06-06</a:t>
             </a:fld>
             <a:endParaRPr lang="ko-KR" altLang="en-US"/>
           </a:p>
@@ -3790,7 +3839,7 @@
           <a:p>
             <a:fld id="{B98807D1-4116-499B-9359-5944853DC4E1}" type="datetimeFigureOut">
               <a:rPr lang="ko-KR" altLang="en-US" smtClean="0"/>
-              <a:t>2019-05-19</a:t>
+              <a:t>2019-06-06</a:t>
             </a:fld>
             <a:endParaRPr lang="ko-KR" altLang="en-US"/>
           </a:p>
@@ -3885,7 +3934,7 @@
           <a:p>
             <a:fld id="{B98807D1-4116-499B-9359-5944853DC4E1}" type="datetimeFigureOut">
               <a:rPr lang="ko-KR" altLang="en-US" smtClean="0"/>
-              <a:t>2019-05-19</a:t>
+              <a:t>2019-06-06</a:t>
             </a:fld>
             <a:endParaRPr lang="ko-KR" altLang="en-US"/>
           </a:p>
@@ -4140,7 +4189,7 @@
           <a:p>
             <a:fld id="{B98807D1-4116-499B-9359-5944853DC4E1}" type="datetimeFigureOut">
               <a:rPr lang="ko-KR" altLang="en-US" smtClean="0"/>
-              <a:t>2019-05-19</a:t>
+              <a:t>2019-06-06</a:t>
             </a:fld>
             <a:endParaRPr lang="ko-KR" altLang="en-US"/>
           </a:p>
@@ -4423,7 +4472,7 @@
           <a:p>
             <a:fld id="{B98807D1-4116-499B-9359-5944853DC4E1}" type="datetimeFigureOut">
               <a:rPr lang="ko-KR" altLang="en-US" smtClean="0"/>
-              <a:t>2019-05-19</a:t>
+              <a:t>2019-06-06</a:t>
             </a:fld>
             <a:endParaRPr lang="ko-KR" altLang="en-US"/>
           </a:p>
@@ -4829,7 +4878,7 @@
           <a:p>
             <a:fld id="{B98807D1-4116-499B-9359-5944853DC4E1}" type="datetimeFigureOut">
               <a:rPr lang="ko-KR" altLang="en-US" smtClean="0"/>
-              <a:t>2019-05-19</a:t>
+              <a:t>2019-06-06</a:t>
             </a:fld>
             <a:endParaRPr lang="ko-KR" altLang="en-US"/>
           </a:p>
